--- a/Poster.pptx
+++ b/Poster.pptx
@@ -17164,13 +17164,181 @@
         </p:nvSpPr>
         <p:spPr>
           <a:xfrm>
-            <a:off x="22417094" y="6378481"/>
-            <a:ext cx="10048874" cy="7834032"/>
+            <a:off x="22492101" y="6192051"/>
+            <a:ext cx="10056813" cy="9617995"/>
           </a:xfrm>
         </p:spPr>
         <p:txBody>
           <a:bodyPr/>
           <a:lstStyle/>
+          <a:p>
+            <a:r>
+              <a:rPr lang="en-US" dirty="0"/>
+              <a:t>Which chart works best really depends on the task. When people are asked to simply compare two values (A vs B), </a:t>
+            </a:r>
+            <a:r>
+              <a:rPr lang="en-US" b="1" dirty="0"/>
+              <a:t>bar charts consistently come out on top</a:t>
+            </a:r>
+            <a:r>
+              <a:rPr lang="en-US" dirty="0"/>
+              <a:t>—they’re faster and more accurate, and participants tend to prefer them for that reason (Spence &amp; Lewandowsky, 1991; Simkin &amp; Hastie, 1987; Hill, 2025). But when the task shifts to estimating </a:t>
+            </a:r>
+            <a:r>
+              <a:rPr lang="en-US" b="1" dirty="0"/>
+              <a:t>what proportion one part is of the whole (A / A+B)</a:t>
+            </a:r>
+            <a:r>
+              <a:rPr lang="en-US" dirty="0"/>
+              <a:t>, </a:t>
+            </a:r>
+            <a:r>
+              <a:rPr lang="en-US" b="1" dirty="0"/>
+              <a:t>pie charts do better</a:t>
+            </a:r>
+            <a:r>
+              <a:rPr lang="en-US" dirty="0"/>
+              <a:t>, likely because they align with how we naturally think about part-whole relationships (Cleveland &amp; McGill, 1984; Simkin &amp; Hastie, 1987).</a:t>
+            </a:r>
+          </a:p>
+          <a:p>
+            <a:r>
+              <a:rPr lang="en-US" dirty="0"/>
+              <a:t>For more complex comparisons—like </a:t>
+            </a:r>
+            <a:r>
+              <a:rPr lang="en-US" b="1" dirty="0"/>
+              <a:t>A vs B+C</a:t>
+            </a:r>
+            <a:r>
+              <a:rPr lang="en-US" dirty="0"/>
+              <a:t> or </a:t>
+            </a:r>
+            <a:r>
+              <a:rPr lang="en-US" b="1" dirty="0"/>
+              <a:t>A+B vs C+D</a:t>
+            </a:r>
+            <a:r>
+              <a:rPr lang="en-US" dirty="0"/>
+              <a:t>—the results are more mixed. Bar charts have a </a:t>
+            </a:r>
+            <a:r>
+              <a:rPr lang="en-US" b="1" dirty="0"/>
+              <a:t>slight edge</a:t>
+            </a:r>
+            <a:r>
+              <a:rPr lang="en-US" dirty="0"/>
+              <a:t> when comparing a single value to a sum (A vs B+C), but when comparing two grouped values (A+B vs C+D), </a:t>
+            </a:r>
+            <a:r>
+              <a:rPr lang="en-US" b="1" dirty="0"/>
+              <a:t>pie charts perform better</a:t>
+            </a:r>
+            <a:r>
+              <a:rPr lang="en-US" dirty="0"/>
+              <a:t> (Spence &amp; Lewandowsky, 1991). This might be because it's easier to visually group adjacent slices than non-aligned bars (</a:t>
+            </a:r>
+            <a:r>
+              <a:rPr lang="en-US" dirty="0" err="1"/>
+              <a:t>Kosara</a:t>
+            </a:r>
+            <a:r>
+              <a:rPr lang="en-US" dirty="0"/>
+              <a:t> &amp; </a:t>
+            </a:r>
+            <a:r>
+              <a:rPr lang="en-US" dirty="0" err="1"/>
+              <a:t>Skau</a:t>
+            </a:r>
+            <a:r>
+              <a:rPr lang="en-US" dirty="0"/>
+              <a:t>, 2016).</a:t>
+            </a:r>
+          </a:p>
+          <a:p>
+            <a:r>
+              <a:rPr lang="en-US" dirty="0"/>
+              <a:t>When it comes to </a:t>
+            </a:r>
+            <a:r>
+              <a:rPr lang="en-US" b="1" dirty="0"/>
+              <a:t>ranking multiple parts</a:t>
+            </a:r>
+            <a:r>
+              <a:rPr lang="en-US" dirty="0"/>
+              <a:t>, like identifying the top three largest values, </a:t>
+            </a:r>
+            <a:r>
+              <a:rPr lang="en-US" b="1" dirty="0"/>
+              <a:t>bar charts win again</a:t>
+            </a:r>
+            <a:r>
+              <a:rPr lang="en-US" dirty="0"/>
+              <a:t>, as their alignment allows for quicker visual scanning (Hill, 2025; </a:t>
+            </a:r>
+            <a:r>
+              <a:rPr lang="en-US" dirty="0" err="1"/>
+              <a:t>Kosara</a:t>
+            </a:r>
+            <a:r>
+              <a:rPr lang="en-US" dirty="0"/>
+              <a:t> &amp; </a:t>
+            </a:r>
+            <a:r>
+              <a:rPr lang="en-US" dirty="0" err="1"/>
+              <a:t>Skau</a:t>
+            </a:r>
+            <a:r>
+              <a:rPr lang="en-US" dirty="0"/>
+              <a:t>, 2016). And in </a:t>
+            </a:r>
+            <a:r>
+              <a:rPr lang="en-US" b="1" dirty="0"/>
+              <a:t>magnitude estimation tasks</a:t>
+            </a:r>
+            <a:r>
+              <a:rPr lang="en-US" dirty="0"/>
+              <a:t> (e.g., “If A is 100, what is B?”), both </a:t>
+            </a:r>
+            <a:r>
+              <a:rPr lang="en-US" b="1" dirty="0"/>
+              <a:t>pie and donut charts</a:t>
+            </a:r>
+            <a:r>
+              <a:rPr lang="en-US" dirty="0"/>
+              <a:t> tend to outperform bars, though people are more likely to misjudge values slightly in those formats (</a:t>
+            </a:r>
+            <a:r>
+              <a:rPr lang="en-US" dirty="0" err="1"/>
+              <a:t>Kosara</a:t>
+            </a:r>
+            <a:r>
+              <a:rPr lang="en-US" dirty="0"/>
+              <a:t> &amp; </a:t>
+            </a:r>
+            <a:r>
+              <a:rPr lang="en-US" dirty="0" err="1"/>
+              <a:t>Skau</a:t>
+            </a:r>
+            <a:r>
+              <a:rPr lang="en-US" dirty="0"/>
+              <a:t>, 2016; Hill, 2025).</a:t>
+            </a:r>
+          </a:p>
+          <a:p>
+            <a:r>
+              <a:rPr lang="en-US" dirty="0"/>
+              <a:t>In the end, </a:t>
+            </a:r>
+            <a:r>
+              <a:rPr lang="en-US" b="1" dirty="0"/>
+              <a:t>there’s no universal winner</a:t>
+            </a:r>
+            <a:r>
+              <a:rPr lang="en-US" dirty="0"/>
+              <a:t>—the best chart depends on the specific task and what kind of judgment you're asking the reader to make.</a:t>
+            </a:r>
+          </a:p>
           <a:p>
             <a:endParaRPr lang="en-US" dirty="0"/>
           </a:p>
@@ -17633,14 +17801,14 @@
           <p:nvPr>
             <p:extLst>
               <p:ext uri="{D42A27DB-BD31-4B8C-83A1-F6EECF244321}">
-                <p14:modId xmlns:p14="http://schemas.microsoft.com/office/powerpoint/2010/main" val="1491998876"/>
+                <p14:modId xmlns:p14="http://schemas.microsoft.com/office/powerpoint/2010/main" val="200340387"/>
               </p:ext>
             </p:extLst>
           </p:nvPr>
         </p:nvGraphicFramePr>
         <p:xfrm>
-          <a:off x="21473181" y="14304552"/>
-          <a:ext cx="11928911" cy="13807440"/>
+          <a:off x="11211581" y="16453348"/>
+          <a:ext cx="11953219" cy="16245840"/>
         </p:xfrm>
         <a:graphic>
           <a:graphicData uri="http://schemas.openxmlformats.org/drawingml/2006/table">
@@ -17649,35 +17817,35 @@
                 <a:tableStyleId>{5C22544A-7EE6-4342-B048-85BDC9FD1C3A}</a:tableStyleId>
               </a:tblPr>
               <a:tblGrid>
-                <a:gridCol w="3262057">
+                <a:gridCol w="3187550">
                   <a:extLst>
                     <a:ext uri="{9D8B030D-6E8A-4147-A177-3AD203B41FA5}">
                       <a16:colId xmlns:a16="http://schemas.microsoft.com/office/drawing/2014/main" val="576298419"/>
                     </a:ext>
                   </a:extLst>
                 </a:gridCol>
-                <a:gridCol w="1946557">
+                <a:gridCol w="2224542">
                   <a:extLst>
                     <a:ext uri="{9D8B030D-6E8A-4147-A177-3AD203B41FA5}">
                       <a16:colId xmlns:a16="http://schemas.microsoft.com/office/drawing/2014/main" val="4204579716"/>
                     </a:ext>
                   </a:extLst>
                 </a:gridCol>
-                <a:gridCol w="1426950">
+                <a:gridCol w="1601977">
                   <a:extLst>
                     <a:ext uri="{9D8B030D-6E8A-4147-A177-3AD203B41FA5}">
                       <a16:colId xmlns:a16="http://schemas.microsoft.com/office/drawing/2014/main" val="1150748111"/>
                     </a:ext>
                   </a:extLst>
                 </a:gridCol>
-                <a:gridCol w="3002799">
+                <a:gridCol w="2404148">
                   <a:extLst>
                     <a:ext uri="{9D8B030D-6E8A-4147-A177-3AD203B41FA5}">
                       <a16:colId xmlns:a16="http://schemas.microsoft.com/office/drawing/2014/main" val="2726349404"/>
                     </a:ext>
                   </a:extLst>
                 </a:gridCol>
-                <a:gridCol w="2290548">
+                <a:gridCol w="2535002">
                   <a:extLst>
                     <a:ext uri="{9D8B030D-6E8A-4147-A177-3AD203B41FA5}">
                       <a16:colId xmlns:a16="http://schemas.microsoft.com/office/drawing/2014/main" val="413539999"/>
@@ -17685,7 +17853,7 @@
                   </a:extLst>
                 </a:gridCol>
               </a:tblGrid>
-              <a:tr h="1946467">
+              <a:tr h="1921867">
                 <a:tc>
                   <a:txBody>
                     <a:bodyPr/>
@@ -17761,7 +17929,7 @@
                     <a:p>
                       <a:pPr algn="ctr"/>
                       <a:r>
-                        <a:rPr lang="en-US" sz="3200">
+                        <a:rPr lang="en-US" sz="3200" dirty="0">
                           <a:latin typeface="Times New Roman" panose="02020603050405020304" pitchFamily="18" charset="0"/>
                           <a:cs typeface="Times New Roman" panose="02020603050405020304" pitchFamily="18" charset="0"/>
                         </a:rPr>
@@ -17777,7 +17945,7 @@
                   </a:ext>
                 </a:extLst>
               </a:tr>
-              <a:tr h="2411295">
+              <a:tr h="2979384">
                 <a:tc>
                   <a:txBody>
                     <a:bodyPr/>
@@ -17853,7 +18021,7 @@
                     <a:p>
                       <a:pPr algn="ctr"/>
                       <a:r>
-                        <a:rPr lang="en-US" sz="3200">
+                        <a:rPr lang="en-US" sz="3200" dirty="0">
                           <a:latin typeface="Times New Roman" panose="02020603050405020304" pitchFamily="18" charset="0"/>
                           <a:cs typeface="Times New Roman" panose="02020603050405020304" pitchFamily="18" charset="0"/>
                         </a:rPr>
@@ -17869,7 +18037,7 @@
                   </a:ext>
                 </a:extLst>
               </a:tr>
-              <a:tr h="1946467">
+              <a:tr h="2016350">
                 <a:tc>
                   <a:txBody>
                     <a:bodyPr/>
@@ -17961,7 +18129,7 @@
                   </a:ext>
                 </a:extLst>
               </a:tr>
-              <a:tr h="1481639">
+              <a:tr h="1534834">
                 <a:tc>
                   <a:txBody>
                     <a:bodyPr/>
@@ -17986,7 +18154,7 @@
                     <a:p>
                       <a:pPr algn="ctr"/>
                       <a:r>
-                        <a:rPr lang="en-US" sz="3200">
+                        <a:rPr lang="en-US" sz="3200" dirty="0">
                           <a:latin typeface="Times New Roman" panose="02020603050405020304" pitchFamily="18" charset="0"/>
                           <a:cs typeface="Times New Roman" panose="02020603050405020304" pitchFamily="18" charset="0"/>
                         </a:rPr>
@@ -18053,7 +18221,7 @@
                   </a:ext>
                 </a:extLst>
               </a:tr>
-              <a:tr h="1946467">
+              <a:tr h="2016350">
                 <a:tc>
                   <a:txBody>
                     <a:bodyPr/>
@@ -18173,7 +18341,7 @@
                   </a:ext>
                 </a:extLst>
               </a:tr>
-              <a:tr h="1946467">
+              <a:tr h="1921867">
                 <a:tc>
                   <a:txBody>
                     <a:bodyPr/>
@@ -18265,7 +18433,7 @@
                   </a:ext>
                 </a:extLst>
               </a:tr>
-              <a:tr h="1481639">
+              <a:tr h="1534834">
                 <a:tc>
                   <a:txBody>
                     <a:bodyPr/>
@@ -18361,6 +18529,42 @@
           </a:graphicData>
         </a:graphic>
       </p:graphicFrame>
+      <p:pic>
+        <p:nvPicPr>
+          <p:cNvPr id="22" name="Picture 21">
+            <a:extLst>
+              <a:ext uri="{FF2B5EF4-FFF2-40B4-BE49-F238E27FC236}">
+                <a16:creationId xmlns:a16="http://schemas.microsoft.com/office/drawing/2014/main" id="{D5465218-DA6A-4167-9D44-38F55C885B8A}"/>
+              </a:ext>
+            </a:extLst>
+          </p:cNvPr>
+          <p:cNvPicPr>
+            <a:picLocks noChangeAspect="1"/>
+          </p:cNvPicPr>
+          <p:nvPr/>
+        </p:nvPicPr>
+        <p:blipFill>
+          <a:blip r:embed="rId2" cstate="print">
+            <a:extLst>
+              <a:ext uri="{28A0092B-C50C-407E-A947-70E740481C1C}">
+                <a14:useLocalDpi xmlns:a14="http://schemas.microsoft.com/office/drawing/2010/main" val="0"/>
+              </a:ext>
+            </a:extLst>
+          </a:blip>
+          <a:stretch>
+            <a:fillRect/>
+          </a:stretch>
+        </p:blipFill>
+        <p:spPr>
+          <a:xfrm>
+            <a:off x="23254365" y="15408815"/>
+            <a:ext cx="9144019" cy="4572009"/>
+          </a:xfrm>
+          <a:prstGeom prst="rect">
+            <a:avLst/>
+          </a:prstGeom>
+        </p:spPr>
+      </p:pic>
     </p:spTree>
     <p:extLst>
       <p:ext uri="{BB962C8B-B14F-4D97-AF65-F5344CB8AC3E}">
